--- a/Document/Axis_企画書.pptx
+++ b/Document/Axis_企画書.pptx
@@ -203,7 +203,7 @@
           <a:p>
             <a:fld id="{FD1B71DF-9780-42F7-9385-3935E3AB3A6A}" type="datetimeFigureOut">
               <a:rPr kumimoji="1" lang="ja-JP" altLang="en-US" smtClean="0"/>
-              <a:t>2018/6/5</a:t>
+              <a:t>2018/6/8</a:t>
             </a:fld>
             <a:endParaRPr kumimoji="1" lang="ja-JP" altLang="en-US"/>
           </a:p>
@@ -634,7 +634,7 @@
           <a:p>
             <a:fld id="{FB5C1720-F6CC-4F7B-B1A6-6D7A97755E81}" type="datetimeFigureOut">
               <a:rPr kumimoji="1" lang="ja-JP" altLang="en-US" smtClean="0"/>
-              <a:t>2018/6/5</a:t>
+              <a:t>2018/6/8</a:t>
             </a:fld>
             <a:endParaRPr kumimoji="1" lang="ja-JP" altLang="en-US"/>
           </a:p>
@@ -836,7 +836,7 @@
           <a:p>
             <a:fld id="{FB5C1720-F6CC-4F7B-B1A6-6D7A97755E81}" type="datetimeFigureOut">
               <a:rPr kumimoji="1" lang="ja-JP" altLang="en-US" smtClean="0"/>
-              <a:t>2018/6/5</a:t>
+              <a:t>2018/6/8</a:t>
             </a:fld>
             <a:endParaRPr kumimoji="1" lang="ja-JP" altLang="en-US"/>
           </a:p>
@@ -1048,7 +1048,7 @@
           <a:p>
             <a:fld id="{FB5C1720-F6CC-4F7B-B1A6-6D7A97755E81}" type="datetimeFigureOut">
               <a:rPr kumimoji="1" lang="ja-JP" altLang="en-US" smtClean="0"/>
-              <a:t>2018/6/5</a:t>
+              <a:t>2018/6/8</a:t>
             </a:fld>
             <a:endParaRPr kumimoji="1" lang="ja-JP" altLang="en-US"/>
           </a:p>
@@ -1250,7 +1250,7 @@
           <a:p>
             <a:fld id="{FB5C1720-F6CC-4F7B-B1A6-6D7A97755E81}" type="datetimeFigureOut">
               <a:rPr kumimoji="1" lang="ja-JP" altLang="en-US" smtClean="0"/>
-              <a:t>2018/6/5</a:t>
+              <a:t>2018/6/8</a:t>
             </a:fld>
             <a:endParaRPr kumimoji="1" lang="ja-JP" altLang="en-US"/>
           </a:p>
@@ -1496,7 +1496,7 @@
           <a:p>
             <a:fld id="{FB5C1720-F6CC-4F7B-B1A6-6D7A97755E81}" type="datetimeFigureOut">
               <a:rPr kumimoji="1" lang="ja-JP" altLang="en-US" smtClean="0"/>
-              <a:t>2018/6/5</a:t>
+              <a:t>2018/6/8</a:t>
             </a:fld>
             <a:endParaRPr kumimoji="1" lang="ja-JP" altLang="en-US"/>
           </a:p>
@@ -1792,7 +1792,7 @@
           <a:p>
             <a:fld id="{FB5C1720-F6CC-4F7B-B1A6-6D7A97755E81}" type="datetimeFigureOut">
               <a:rPr kumimoji="1" lang="ja-JP" altLang="en-US" smtClean="0"/>
-              <a:t>2018/6/5</a:t>
+              <a:t>2018/6/8</a:t>
             </a:fld>
             <a:endParaRPr kumimoji="1" lang="ja-JP" altLang="en-US"/>
           </a:p>
@@ -2223,7 +2223,7 @@
           <a:p>
             <a:fld id="{FB5C1720-F6CC-4F7B-B1A6-6D7A97755E81}" type="datetimeFigureOut">
               <a:rPr kumimoji="1" lang="ja-JP" altLang="en-US" smtClean="0"/>
-              <a:t>2018/6/5</a:t>
+              <a:t>2018/6/8</a:t>
             </a:fld>
             <a:endParaRPr kumimoji="1" lang="ja-JP" altLang="en-US"/>
           </a:p>
@@ -2341,7 +2341,7 @@
           <a:p>
             <a:fld id="{FB5C1720-F6CC-4F7B-B1A6-6D7A97755E81}" type="datetimeFigureOut">
               <a:rPr kumimoji="1" lang="ja-JP" altLang="en-US" smtClean="0"/>
-              <a:t>2018/6/5</a:t>
+              <a:t>2018/6/8</a:t>
             </a:fld>
             <a:endParaRPr kumimoji="1" lang="ja-JP" altLang="en-US"/>
           </a:p>
@@ -2436,7 +2436,7 @@
           <a:p>
             <a:fld id="{FB5C1720-F6CC-4F7B-B1A6-6D7A97755E81}" type="datetimeFigureOut">
               <a:rPr kumimoji="1" lang="ja-JP" altLang="en-US" smtClean="0"/>
-              <a:t>2018/6/5</a:t>
+              <a:t>2018/6/8</a:t>
             </a:fld>
             <a:endParaRPr kumimoji="1" lang="ja-JP" altLang="en-US"/>
           </a:p>
@@ -2745,7 +2745,7 @@
           <a:p>
             <a:fld id="{FB5C1720-F6CC-4F7B-B1A6-6D7A97755E81}" type="datetimeFigureOut">
               <a:rPr kumimoji="1" lang="ja-JP" altLang="en-US" smtClean="0"/>
-              <a:t>2018/6/5</a:t>
+              <a:t>2018/6/8</a:t>
             </a:fld>
             <a:endParaRPr kumimoji="1" lang="ja-JP" altLang="en-US"/>
           </a:p>
@@ -2998,7 +2998,7 @@
           <a:p>
             <a:fld id="{FB5C1720-F6CC-4F7B-B1A6-6D7A97755E81}" type="datetimeFigureOut">
               <a:rPr kumimoji="1" lang="ja-JP" altLang="en-US" smtClean="0"/>
-              <a:t>2018/6/5</a:t>
+              <a:t>2018/6/8</a:t>
             </a:fld>
             <a:endParaRPr kumimoji="1" lang="ja-JP" altLang="en-US"/>
           </a:p>
@@ -3243,7 +3243,7 @@
           <a:p>
             <a:fld id="{FB5C1720-F6CC-4F7B-B1A6-6D7A97755E81}" type="datetimeFigureOut">
               <a:rPr kumimoji="1" lang="ja-JP" altLang="en-US" smtClean="0"/>
-              <a:t>2018/6/5</a:t>
+              <a:t>2018/6/8</a:t>
             </a:fld>
             <a:endParaRPr kumimoji="1" lang="ja-JP" altLang="en-US"/>
           </a:p>
@@ -5317,13 +5317,6 @@
               </a:rPr>
               <a:t>)</a:t>
             </a:r>
-            <a:endParaRPr kumimoji="1" lang="en-US" altLang="ja-JP" sz="2400" dirty="0" smtClean="0">
-              <a:solidFill>
-                <a:schemeClr val="tx1"/>
-              </a:solidFill>
-              <a:latin typeface="HGP創英角ｺﾞｼｯｸUB" panose="020B0900000000000000" pitchFamily="50" charset="-128"/>
-              <a:ea typeface="HGP創英角ｺﾞｼｯｸUB" panose="020B0900000000000000" pitchFamily="50" charset="-128"/>
-            </a:endParaRPr>
           </a:p>
         </p:txBody>
       </p:sp>
@@ -6634,7 +6627,27 @@
                 <a:latin typeface="HGP創英角ｺﾞｼｯｸUB" panose="020B0900000000000000" pitchFamily="50" charset="-128"/>
                 <a:ea typeface="HGP創英角ｺﾞｼｯｸUB" panose="020B0900000000000000" pitchFamily="50" charset="-128"/>
               </a:rPr>
-              <a:t>軸だけ移し替え縦に伸ばし縮みしたり、</a:t>
+              <a:t>軸だけ移し替え縦に伸ばし縮み</a:t>
+            </a:r>
+            <a:r>
+              <a:rPr lang="ja-JP" altLang="en-US" sz="4000" smtClean="0">
+                <a:solidFill>
+                  <a:schemeClr val="tx1"/>
+                </a:solidFill>
+                <a:latin typeface="HGP創英角ｺﾞｼｯｸUB" panose="020B0900000000000000" pitchFamily="50" charset="-128"/>
+                <a:ea typeface="HGP創英角ｺﾞｼｯｸUB" panose="020B0900000000000000" pitchFamily="50" charset="-128"/>
+              </a:rPr>
+              <a:t>したり</a:t>
+            </a:r>
+            <a:r>
+              <a:rPr lang="ja-JP" altLang="en-US" sz="4000" smtClean="0">
+                <a:solidFill>
+                  <a:schemeClr val="tx1"/>
+                </a:solidFill>
+                <a:latin typeface="HGP創英角ｺﾞｼｯｸUB" panose="020B0900000000000000" pitchFamily="50" charset="-128"/>
+                <a:ea typeface="HGP創英角ｺﾞｼｯｸUB" panose="020B0900000000000000" pitchFamily="50" charset="-128"/>
+              </a:rPr>
+              <a:t>、　</a:t>
             </a:r>
             <a:endParaRPr lang="en-US" altLang="ja-JP" sz="4000" dirty="0" smtClean="0">
               <a:solidFill>

--- a/Document/Axis_企画書.pptx
+++ b/Document/Axis_企画書.pptx
@@ -203,7 +203,7 @@
           <a:p>
             <a:fld id="{FD1B71DF-9780-42F7-9385-3935E3AB3A6A}" type="datetimeFigureOut">
               <a:rPr kumimoji="1" lang="ja-JP" altLang="en-US" smtClean="0"/>
-              <a:t>2018/6/8</a:t>
+              <a:t>2018/6/5</a:t>
             </a:fld>
             <a:endParaRPr kumimoji="1" lang="ja-JP" altLang="en-US"/>
           </a:p>
@@ -634,7 +634,7 @@
           <a:p>
             <a:fld id="{FB5C1720-F6CC-4F7B-B1A6-6D7A97755E81}" type="datetimeFigureOut">
               <a:rPr kumimoji="1" lang="ja-JP" altLang="en-US" smtClean="0"/>
-              <a:t>2018/6/8</a:t>
+              <a:t>2018/6/5</a:t>
             </a:fld>
             <a:endParaRPr kumimoji="1" lang="ja-JP" altLang="en-US"/>
           </a:p>
@@ -836,7 +836,7 @@
           <a:p>
             <a:fld id="{FB5C1720-F6CC-4F7B-B1A6-6D7A97755E81}" type="datetimeFigureOut">
               <a:rPr kumimoji="1" lang="ja-JP" altLang="en-US" smtClean="0"/>
-              <a:t>2018/6/8</a:t>
+              <a:t>2018/6/5</a:t>
             </a:fld>
             <a:endParaRPr kumimoji="1" lang="ja-JP" altLang="en-US"/>
           </a:p>
@@ -1048,7 +1048,7 @@
           <a:p>
             <a:fld id="{FB5C1720-F6CC-4F7B-B1A6-6D7A97755E81}" type="datetimeFigureOut">
               <a:rPr kumimoji="1" lang="ja-JP" altLang="en-US" smtClean="0"/>
-              <a:t>2018/6/8</a:t>
+              <a:t>2018/6/5</a:t>
             </a:fld>
             <a:endParaRPr kumimoji="1" lang="ja-JP" altLang="en-US"/>
           </a:p>
@@ -1250,7 +1250,7 @@
           <a:p>
             <a:fld id="{FB5C1720-F6CC-4F7B-B1A6-6D7A97755E81}" type="datetimeFigureOut">
               <a:rPr kumimoji="1" lang="ja-JP" altLang="en-US" smtClean="0"/>
-              <a:t>2018/6/8</a:t>
+              <a:t>2018/6/5</a:t>
             </a:fld>
             <a:endParaRPr kumimoji="1" lang="ja-JP" altLang="en-US"/>
           </a:p>
@@ -1496,7 +1496,7 @@
           <a:p>
             <a:fld id="{FB5C1720-F6CC-4F7B-B1A6-6D7A97755E81}" type="datetimeFigureOut">
               <a:rPr kumimoji="1" lang="ja-JP" altLang="en-US" smtClean="0"/>
-              <a:t>2018/6/8</a:t>
+              <a:t>2018/6/5</a:t>
             </a:fld>
             <a:endParaRPr kumimoji="1" lang="ja-JP" altLang="en-US"/>
           </a:p>
@@ -1792,7 +1792,7 @@
           <a:p>
             <a:fld id="{FB5C1720-F6CC-4F7B-B1A6-6D7A97755E81}" type="datetimeFigureOut">
               <a:rPr kumimoji="1" lang="ja-JP" altLang="en-US" smtClean="0"/>
-              <a:t>2018/6/8</a:t>
+              <a:t>2018/6/5</a:t>
             </a:fld>
             <a:endParaRPr kumimoji="1" lang="ja-JP" altLang="en-US"/>
           </a:p>
@@ -2223,7 +2223,7 @@
           <a:p>
             <a:fld id="{FB5C1720-F6CC-4F7B-B1A6-6D7A97755E81}" type="datetimeFigureOut">
               <a:rPr kumimoji="1" lang="ja-JP" altLang="en-US" smtClean="0"/>
-              <a:t>2018/6/8</a:t>
+              <a:t>2018/6/5</a:t>
             </a:fld>
             <a:endParaRPr kumimoji="1" lang="ja-JP" altLang="en-US"/>
           </a:p>
@@ -2341,7 +2341,7 @@
           <a:p>
             <a:fld id="{FB5C1720-F6CC-4F7B-B1A6-6D7A97755E81}" type="datetimeFigureOut">
               <a:rPr kumimoji="1" lang="ja-JP" altLang="en-US" smtClean="0"/>
-              <a:t>2018/6/8</a:t>
+              <a:t>2018/6/5</a:t>
             </a:fld>
             <a:endParaRPr kumimoji="1" lang="ja-JP" altLang="en-US"/>
           </a:p>
@@ -2436,7 +2436,7 @@
           <a:p>
             <a:fld id="{FB5C1720-F6CC-4F7B-B1A6-6D7A97755E81}" type="datetimeFigureOut">
               <a:rPr kumimoji="1" lang="ja-JP" altLang="en-US" smtClean="0"/>
-              <a:t>2018/6/8</a:t>
+              <a:t>2018/6/5</a:t>
             </a:fld>
             <a:endParaRPr kumimoji="1" lang="ja-JP" altLang="en-US"/>
           </a:p>
@@ -2745,7 +2745,7 @@
           <a:p>
             <a:fld id="{FB5C1720-F6CC-4F7B-B1A6-6D7A97755E81}" type="datetimeFigureOut">
               <a:rPr kumimoji="1" lang="ja-JP" altLang="en-US" smtClean="0"/>
-              <a:t>2018/6/8</a:t>
+              <a:t>2018/6/5</a:t>
             </a:fld>
             <a:endParaRPr kumimoji="1" lang="ja-JP" altLang="en-US"/>
           </a:p>
@@ -2998,7 +2998,7 @@
           <a:p>
             <a:fld id="{FB5C1720-F6CC-4F7B-B1A6-6D7A97755E81}" type="datetimeFigureOut">
               <a:rPr kumimoji="1" lang="ja-JP" altLang="en-US" smtClean="0"/>
-              <a:t>2018/6/8</a:t>
+              <a:t>2018/6/5</a:t>
             </a:fld>
             <a:endParaRPr kumimoji="1" lang="ja-JP" altLang="en-US"/>
           </a:p>
@@ -3243,7 +3243,7 @@
           <a:p>
             <a:fld id="{FB5C1720-F6CC-4F7B-B1A6-6D7A97755E81}" type="datetimeFigureOut">
               <a:rPr kumimoji="1" lang="ja-JP" altLang="en-US" smtClean="0"/>
-              <a:t>2018/6/8</a:t>
+              <a:t>2018/6/5</a:t>
             </a:fld>
             <a:endParaRPr kumimoji="1" lang="ja-JP" altLang="en-US"/>
           </a:p>
@@ -5317,6 +5317,13 @@
               </a:rPr>
               <a:t>)</a:t>
             </a:r>
+            <a:endParaRPr kumimoji="1" lang="en-US" altLang="ja-JP" sz="2400" dirty="0" smtClean="0">
+              <a:solidFill>
+                <a:schemeClr val="tx1"/>
+              </a:solidFill>
+              <a:latin typeface="HGP創英角ｺﾞｼｯｸUB" panose="020B0900000000000000" pitchFamily="50" charset="-128"/>
+              <a:ea typeface="HGP創英角ｺﾞｼｯｸUB" panose="020B0900000000000000" pitchFamily="50" charset="-128"/>
+            </a:endParaRPr>
           </a:p>
         </p:txBody>
       </p:sp>
@@ -6627,27 +6634,7 @@
                 <a:latin typeface="HGP創英角ｺﾞｼｯｸUB" panose="020B0900000000000000" pitchFamily="50" charset="-128"/>
                 <a:ea typeface="HGP創英角ｺﾞｼｯｸUB" panose="020B0900000000000000" pitchFamily="50" charset="-128"/>
               </a:rPr>
-              <a:t>軸だけ移し替え縦に伸ばし縮み</a:t>
-            </a:r>
-            <a:r>
-              <a:rPr lang="ja-JP" altLang="en-US" sz="4000" smtClean="0">
-                <a:solidFill>
-                  <a:schemeClr val="tx1"/>
-                </a:solidFill>
-                <a:latin typeface="HGP創英角ｺﾞｼｯｸUB" panose="020B0900000000000000" pitchFamily="50" charset="-128"/>
-                <a:ea typeface="HGP創英角ｺﾞｼｯｸUB" panose="020B0900000000000000" pitchFamily="50" charset="-128"/>
-              </a:rPr>
-              <a:t>したり</a:t>
-            </a:r>
-            <a:r>
-              <a:rPr lang="ja-JP" altLang="en-US" sz="4000" smtClean="0">
-                <a:solidFill>
-                  <a:schemeClr val="tx1"/>
-                </a:solidFill>
-                <a:latin typeface="HGP創英角ｺﾞｼｯｸUB" panose="020B0900000000000000" pitchFamily="50" charset="-128"/>
-                <a:ea typeface="HGP創英角ｺﾞｼｯｸUB" panose="020B0900000000000000" pitchFamily="50" charset="-128"/>
-              </a:rPr>
-              <a:t>、　</a:t>
+              <a:t>軸だけ移し替え縦に伸ばし縮みしたり、</a:t>
             </a:r>
             <a:endParaRPr lang="en-US" altLang="ja-JP" sz="4000" dirty="0" smtClean="0">
               <a:solidFill>

--- a/Document/Axis_企画書.pptx
+++ b/Document/Axis_企画書.pptx
@@ -203,7 +203,7 @@
           <a:p>
             <a:fld id="{FD1B71DF-9780-42F7-9385-3935E3AB3A6A}" type="datetimeFigureOut">
               <a:rPr kumimoji="1" lang="ja-JP" altLang="en-US" smtClean="0"/>
-              <a:t>2018/6/5</a:t>
+              <a:t>2018/6/8</a:t>
             </a:fld>
             <a:endParaRPr kumimoji="1" lang="ja-JP" altLang="en-US"/>
           </a:p>
@@ -634,7 +634,7 @@
           <a:p>
             <a:fld id="{FB5C1720-F6CC-4F7B-B1A6-6D7A97755E81}" type="datetimeFigureOut">
               <a:rPr kumimoji="1" lang="ja-JP" altLang="en-US" smtClean="0"/>
-              <a:t>2018/6/5</a:t>
+              <a:t>2018/6/8</a:t>
             </a:fld>
             <a:endParaRPr kumimoji="1" lang="ja-JP" altLang="en-US"/>
           </a:p>
@@ -836,7 +836,7 @@
           <a:p>
             <a:fld id="{FB5C1720-F6CC-4F7B-B1A6-6D7A97755E81}" type="datetimeFigureOut">
               <a:rPr kumimoji="1" lang="ja-JP" altLang="en-US" smtClean="0"/>
-              <a:t>2018/6/5</a:t>
+              <a:t>2018/6/8</a:t>
             </a:fld>
             <a:endParaRPr kumimoji="1" lang="ja-JP" altLang="en-US"/>
           </a:p>
@@ -1048,7 +1048,7 @@
           <a:p>
             <a:fld id="{FB5C1720-F6CC-4F7B-B1A6-6D7A97755E81}" type="datetimeFigureOut">
               <a:rPr kumimoji="1" lang="ja-JP" altLang="en-US" smtClean="0"/>
-              <a:t>2018/6/5</a:t>
+              <a:t>2018/6/8</a:t>
             </a:fld>
             <a:endParaRPr kumimoji="1" lang="ja-JP" altLang="en-US"/>
           </a:p>
@@ -1250,7 +1250,7 @@
           <a:p>
             <a:fld id="{FB5C1720-F6CC-4F7B-B1A6-6D7A97755E81}" type="datetimeFigureOut">
               <a:rPr kumimoji="1" lang="ja-JP" altLang="en-US" smtClean="0"/>
-              <a:t>2018/6/5</a:t>
+              <a:t>2018/6/8</a:t>
             </a:fld>
             <a:endParaRPr kumimoji="1" lang="ja-JP" altLang="en-US"/>
           </a:p>
@@ -1496,7 +1496,7 @@
           <a:p>
             <a:fld id="{FB5C1720-F6CC-4F7B-B1A6-6D7A97755E81}" type="datetimeFigureOut">
               <a:rPr kumimoji="1" lang="ja-JP" altLang="en-US" smtClean="0"/>
-              <a:t>2018/6/5</a:t>
+              <a:t>2018/6/8</a:t>
             </a:fld>
             <a:endParaRPr kumimoji="1" lang="ja-JP" altLang="en-US"/>
           </a:p>
@@ -1792,7 +1792,7 @@
           <a:p>
             <a:fld id="{FB5C1720-F6CC-4F7B-B1A6-6D7A97755E81}" type="datetimeFigureOut">
               <a:rPr kumimoji="1" lang="ja-JP" altLang="en-US" smtClean="0"/>
-              <a:t>2018/6/5</a:t>
+              <a:t>2018/6/8</a:t>
             </a:fld>
             <a:endParaRPr kumimoji="1" lang="ja-JP" altLang="en-US"/>
           </a:p>
@@ -2223,7 +2223,7 @@
           <a:p>
             <a:fld id="{FB5C1720-F6CC-4F7B-B1A6-6D7A97755E81}" type="datetimeFigureOut">
               <a:rPr kumimoji="1" lang="ja-JP" altLang="en-US" smtClean="0"/>
-              <a:t>2018/6/5</a:t>
+              <a:t>2018/6/8</a:t>
             </a:fld>
             <a:endParaRPr kumimoji="1" lang="ja-JP" altLang="en-US"/>
           </a:p>
@@ -2341,7 +2341,7 @@
           <a:p>
             <a:fld id="{FB5C1720-F6CC-4F7B-B1A6-6D7A97755E81}" type="datetimeFigureOut">
               <a:rPr kumimoji="1" lang="ja-JP" altLang="en-US" smtClean="0"/>
-              <a:t>2018/6/5</a:t>
+              <a:t>2018/6/8</a:t>
             </a:fld>
             <a:endParaRPr kumimoji="1" lang="ja-JP" altLang="en-US"/>
           </a:p>
@@ -2436,7 +2436,7 @@
           <a:p>
             <a:fld id="{FB5C1720-F6CC-4F7B-B1A6-6D7A97755E81}" type="datetimeFigureOut">
               <a:rPr kumimoji="1" lang="ja-JP" altLang="en-US" smtClean="0"/>
-              <a:t>2018/6/5</a:t>
+              <a:t>2018/6/8</a:t>
             </a:fld>
             <a:endParaRPr kumimoji="1" lang="ja-JP" altLang="en-US"/>
           </a:p>
@@ -2745,7 +2745,7 @@
           <a:p>
             <a:fld id="{FB5C1720-F6CC-4F7B-B1A6-6D7A97755E81}" type="datetimeFigureOut">
               <a:rPr kumimoji="1" lang="ja-JP" altLang="en-US" smtClean="0"/>
-              <a:t>2018/6/5</a:t>
+              <a:t>2018/6/8</a:t>
             </a:fld>
             <a:endParaRPr kumimoji="1" lang="ja-JP" altLang="en-US"/>
           </a:p>
@@ -2998,7 +2998,7 @@
           <a:p>
             <a:fld id="{FB5C1720-F6CC-4F7B-B1A6-6D7A97755E81}" type="datetimeFigureOut">
               <a:rPr kumimoji="1" lang="ja-JP" altLang="en-US" smtClean="0"/>
-              <a:t>2018/6/5</a:t>
+              <a:t>2018/6/8</a:t>
             </a:fld>
             <a:endParaRPr kumimoji="1" lang="ja-JP" altLang="en-US"/>
           </a:p>
@@ -3243,7 +3243,7 @@
           <a:p>
             <a:fld id="{FB5C1720-F6CC-4F7B-B1A6-6D7A97755E81}" type="datetimeFigureOut">
               <a:rPr kumimoji="1" lang="ja-JP" altLang="en-US" smtClean="0"/>
-              <a:t>2018/6/5</a:t>
+              <a:t>2018/6/8</a:t>
             </a:fld>
             <a:endParaRPr kumimoji="1" lang="ja-JP" altLang="en-US"/>
           </a:p>
@@ -5317,13 +5317,6 @@
               </a:rPr>
               <a:t>)</a:t>
             </a:r>
-            <a:endParaRPr kumimoji="1" lang="en-US" altLang="ja-JP" sz="2400" dirty="0" smtClean="0">
-              <a:solidFill>
-                <a:schemeClr val="tx1"/>
-              </a:solidFill>
-              <a:latin typeface="HGP創英角ｺﾞｼｯｸUB" panose="020B0900000000000000" pitchFamily="50" charset="-128"/>
-              <a:ea typeface="HGP創英角ｺﾞｼｯｸUB" panose="020B0900000000000000" pitchFamily="50" charset="-128"/>
-            </a:endParaRPr>
           </a:p>
         </p:txBody>
       </p:sp>
@@ -6315,7 +6308,27 @@
                 <a:latin typeface="HGS創英角ｺﾞｼｯｸUB" panose="020B0900000000000000" pitchFamily="50" charset="-128"/>
                 <a:ea typeface="HGS創英角ｺﾞｼｯｸUB" panose="020B0900000000000000" pitchFamily="50" charset="-128"/>
               </a:rPr>
-              <a:t>ことができる</a:t>
+              <a:t>こと</a:t>
+            </a:r>
+            <a:r>
+              <a:rPr lang="ja-JP" altLang="en-US" sz="4000" smtClean="0">
+                <a:solidFill>
+                  <a:schemeClr val="tx1"/>
+                </a:solidFill>
+                <a:latin typeface="HGS創英角ｺﾞｼｯｸUB" panose="020B0900000000000000" pitchFamily="50" charset="-128"/>
+                <a:ea typeface="HGS創英角ｺﾞｼｯｸUB" panose="020B0900000000000000" pitchFamily="50" charset="-128"/>
+              </a:rPr>
+              <a:t>が</a:t>
+            </a:r>
+            <a:r>
+              <a:rPr lang="ja-JP" altLang="en-US" sz="4000" smtClean="0">
+                <a:solidFill>
+                  <a:schemeClr val="tx1"/>
+                </a:solidFill>
+                <a:latin typeface="HGS創英角ｺﾞｼｯｸUB" panose="020B0900000000000000" pitchFamily="50" charset="-128"/>
+                <a:ea typeface="HGS創英角ｺﾞｼｯｸUB" panose="020B0900000000000000" pitchFamily="50" charset="-128"/>
+              </a:rPr>
+              <a:t>できる　</a:t>
             </a:r>
             <a:endParaRPr lang="en-US" altLang="ja-JP" sz="4000" dirty="0" smtClean="0">
               <a:solidFill>
